--- a/Reports/N06_G14_slide.pptx
+++ b/Reports/N06_G14_slide.pptx
@@ -6460,30 +6460,51 @@
           <a:lstStyle/>
           <a:p>
             <a:r>
-              <a:rPr lang="en-US" sz="3600" dirty="0"/>
+              <a:rPr lang="en-US" sz="3600" dirty="0">
+                <a:latin typeface="Times New Roman" panose="02020603050405020304" pitchFamily="18" charset="0"/>
+                <a:cs typeface="Times New Roman" panose="02020603050405020304" pitchFamily="18" charset="0"/>
+              </a:rPr>
               <a:t>Giao </a:t>
             </a:r>
             <a:r>
-              <a:rPr lang="en-US" sz="3600" dirty="0" err="1"/>
+              <a:rPr lang="en-US" sz="3600" dirty="0" err="1">
+                <a:latin typeface="Times New Roman" panose="02020603050405020304" pitchFamily="18" charset="0"/>
+                <a:cs typeface="Times New Roman" panose="02020603050405020304" pitchFamily="18" charset="0"/>
+              </a:rPr>
               <a:t>diện</a:t>
             </a:r>
             <a:r>
-              <a:rPr lang="en-US" sz="3600" dirty="0"/>
+              <a:rPr lang="en-US" sz="3600" dirty="0">
+                <a:latin typeface="Times New Roman" panose="02020603050405020304" pitchFamily="18" charset="0"/>
+                <a:cs typeface="Times New Roman" panose="02020603050405020304" pitchFamily="18" charset="0"/>
+              </a:rPr>
               <a:t> </a:t>
             </a:r>
             <a:r>
-              <a:rPr lang="en-US" sz="3600" dirty="0" err="1"/>
+              <a:rPr lang="en-US" sz="3600" dirty="0" err="1">
+                <a:latin typeface="Times New Roman" panose="02020603050405020304" pitchFamily="18" charset="0"/>
+                <a:cs typeface="Times New Roman" panose="02020603050405020304" pitchFamily="18" charset="0"/>
+              </a:rPr>
               <a:t>Nghỉ</a:t>
             </a:r>
             <a:r>
-              <a:rPr lang="en-US" sz="3600" dirty="0"/>
+              <a:rPr lang="en-US" sz="3600" dirty="0">
+                <a:latin typeface="Times New Roman" panose="02020603050405020304" pitchFamily="18" charset="0"/>
+                <a:cs typeface="Times New Roman" panose="02020603050405020304" pitchFamily="18" charset="0"/>
+              </a:rPr>
               <a:t> </a:t>
             </a:r>
             <a:r>
-              <a:rPr lang="en-US" sz="3600" dirty="0" err="1"/>
+              <a:rPr lang="en-US" sz="3600" dirty="0" err="1">
+                <a:latin typeface="Times New Roman" panose="02020603050405020304" pitchFamily="18" charset="0"/>
+                <a:cs typeface="Times New Roman" panose="02020603050405020304" pitchFamily="18" charset="0"/>
+              </a:rPr>
               <a:t>phép</a:t>
             </a:r>
-            <a:endParaRPr lang="en-US" sz="3600" dirty="0"/>
+            <a:endParaRPr lang="en-US" sz="3600" dirty="0">
+              <a:latin typeface="Times New Roman" panose="02020603050405020304" pitchFamily="18" charset="0"/>
+              <a:cs typeface="Times New Roman" panose="02020603050405020304" pitchFamily="18" charset="0"/>
+            </a:endParaRPr>
           </a:p>
         </p:txBody>
       </p:sp>
@@ -10134,6 +10155,8 @@
                 <a:solidFill>
                   <a:srgbClr val="FFFFFF"/>
                 </a:solidFill>
+                <a:latin typeface="Times New Roman" panose="02020603050405020304" pitchFamily="18" charset="0"/>
+                <a:cs typeface="Times New Roman" panose="02020603050405020304" pitchFamily="18" charset="0"/>
               </a:rPr>
               <a:t>Hướng phát triển</a:t>
             </a:r>
@@ -10141,6 +10164,8 @@
               <a:solidFill>
                 <a:srgbClr val="FFFFFF"/>
               </a:solidFill>
+              <a:latin typeface="Times New Roman" panose="02020603050405020304" pitchFamily="18" charset="0"/>
+              <a:cs typeface="Times New Roman" panose="02020603050405020304" pitchFamily="18" charset="0"/>
             </a:endParaRPr>
           </a:p>
         </p:txBody>
@@ -10182,7 +10207,10 @@
               </a:spcAft>
             </a:pPr>
             <a:fld id="{DFDF98CC-160E-494C-8C3C-8CDC5FA257DE}" type="slidenum">
-              <a:rPr lang="en-US" smtClean="0"/>
+              <a:rPr lang="en-US" smtClean="0">
+                <a:latin typeface="Times New Roman" panose="02020603050405020304" pitchFamily="18" charset="0"/>
+                <a:cs typeface="Times New Roman" panose="02020603050405020304" pitchFamily="18" charset="0"/>
+              </a:rPr>
               <a:pPr>
                 <a:lnSpc>
                   <a:spcPct val="90000"/>
@@ -10193,7 +10221,10 @@
               </a:pPr>
               <a:t>15</a:t>
             </a:fld>
-            <a:endParaRPr lang="en-US"/>
+            <a:endParaRPr lang="en-US">
+              <a:latin typeface="Times New Roman" panose="02020603050405020304" pitchFamily="18" charset="0"/>
+              <a:cs typeface="Times New Roman" panose="02020603050405020304" pitchFamily="18" charset="0"/>
+            </a:endParaRPr>
           </a:p>
         </p:txBody>
       </p:sp>
@@ -10232,7 +10263,8 @@
                   <a:srgbClr val="1F2328"/>
                 </a:solidFill>
                 <a:effectLst/>
-                <a:latin typeface="+mj-lt"/>
+                <a:latin typeface="Times New Roman" panose="02020603050405020304" pitchFamily="18" charset="0"/>
+                <a:cs typeface="Times New Roman" panose="02020603050405020304" pitchFamily="18" charset="0"/>
               </a:rPr>
               <a:t>Phân quyền chi tiết hơn: Mở rộng các chức năng phân quyền để bao gồm nhiều vai trò và quyền lợi cụ thể hơn.</a:t>
             </a:r>
@@ -10245,7 +10277,8 @@
                   <a:srgbClr val="1F2328"/>
                 </a:solidFill>
                 <a:effectLst/>
-                <a:latin typeface="+mj-lt"/>
+                <a:latin typeface="Times New Roman" panose="02020603050405020304" pitchFamily="18" charset="0"/>
+                <a:cs typeface="Times New Roman" panose="02020603050405020304" pitchFamily="18" charset="0"/>
               </a:rPr>
               <a:t>Tích hợp </a:t>
             </a:r>
@@ -10255,7 +10288,8 @@
                   <a:srgbClr val="1F2328"/>
                 </a:solidFill>
                 <a:effectLst/>
-                <a:latin typeface="+mj-lt"/>
+                <a:latin typeface="Times New Roman" panose="02020603050405020304" pitchFamily="18" charset="0"/>
+                <a:cs typeface="Times New Roman" panose="02020603050405020304" pitchFamily="18" charset="0"/>
               </a:rPr>
               <a:t>biometric</a:t>
             </a:r>
@@ -10265,7 +10299,8 @@
                   <a:srgbClr val="1F2328"/>
                 </a:solidFill>
                 <a:effectLst/>
-                <a:latin typeface="+mj-lt"/>
+                <a:latin typeface="Times New Roman" panose="02020603050405020304" pitchFamily="18" charset="0"/>
+                <a:cs typeface="Times New Roman" panose="02020603050405020304" pitchFamily="18" charset="0"/>
               </a:rPr>
               <a:t> cho chấm công: Nhập các hệ thống chấm công bằng công nghệ sinh trắc học như dấu vân tay hoặc nhận diện khuôn mặt để cải thiện độ chính xác và bảo mật.</a:t>
             </a:r>
@@ -10278,13 +10313,17 @@
                   <a:srgbClr val="1F2328"/>
                 </a:solidFill>
                 <a:effectLst/>
-                <a:latin typeface="+mj-lt"/>
+                <a:latin typeface="Times New Roman" panose="02020603050405020304" pitchFamily="18" charset="0"/>
+                <a:cs typeface="Times New Roman" panose="02020603050405020304" pitchFamily="18" charset="0"/>
               </a:rPr>
               <a:t>Triển khai trên nền tảng đám mây: Phát triển ứng dụng để có thể truy cập và sử dụng trên nền tảng đám mây, cho phép quản lý từ xa và tăng cường khả năng mở rộng và bảo mật.</a:t>
             </a:r>
           </a:p>
           <a:p>
-            <a:endParaRPr lang="en-US" dirty="0"/>
+            <a:endParaRPr lang="en-US" dirty="0">
+              <a:latin typeface="Times New Roman" panose="02020603050405020304" pitchFamily="18" charset="0"/>
+              <a:cs typeface="Times New Roman" panose="02020603050405020304" pitchFamily="18" charset="0"/>
+            </a:endParaRPr>
           </a:p>
         </p:txBody>
       </p:sp>
@@ -10993,15 +11032,24 @@
           <a:lstStyle/>
           <a:p>
             <a:r>
-              <a:rPr lang="en-US" sz="4800" dirty="0"/>
+              <a:rPr lang="en-US" sz="4800" dirty="0">
+                <a:latin typeface="Times New Roman" panose="02020603050405020304" pitchFamily="18" charset="0"/>
+                <a:cs typeface="Times New Roman" panose="02020603050405020304" pitchFamily="18" charset="0"/>
+              </a:rPr>
               <a:t>Thanks </a:t>
             </a:r>
             <a:r>
-              <a:rPr lang="en-US" sz="4800" dirty="0" err="1"/>
+              <a:rPr lang="en-US" sz="4800" dirty="0" err="1">
+                <a:latin typeface="Times New Roman" panose="02020603050405020304" pitchFamily="18" charset="0"/>
+                <a:cs typeface="Times New Roman" panose="02020603050405020304" pitchFamily="18" charset="0"/>
+              </a:rPr>
               <a:t>foR</a:t>
             </a:r>
             <a:r>
-              <a:rPr lang="en-US" sz="4800" dirty="0"/>
+              <a:rPr lang="en-US" sz="4800" dirty="0">
+                <a:latin typeface="Times New Roman" panose="02020603050405020304" pitchFamily="18" charset="0"/>
+                <a:cs typeface="Times New Roman" panose="02020603050405020304" pitchFamily="18" charset="0"/>
+              </a:rPr>
               <a:t> WATCHING!</a:t>
             </a:r>
           </a:p>
@@ -11136,7 +11184,10 @@
               </a:spcAft>
             </a:pPr>
             <a:fld id="{DFDF98CC-160E-494C-8C3C-8CDC5FA257DE}" type="slidenum">
-              <a:rPr lang="en-US" smtClean="0"/>
+              <a:rPr lang="en-US" smtClean="0">
+                <a:latin typeface="Times New Roman" panose="02020603050405020304" pitchFamily="18" charset="0"/>
+                <a:cs typeface="Times New Roman" panose="02020603050405020304" pitchFamily="18" charset="0"/>
+              </a:rPr>
               <a:pPr>
                 <a:lnSpc>
                   <a:spcPct val="90000"/>
@@ -11147,7 +11198,10 @@
               </a:pPr>
               <a:t>16</a:t>
             </a:fld>
-            <a:endParaRPr lang="en-US"/>
+            <a:endParaRPr lang="en-US">
+              <a:latin typeface="Times New Roman" panose="02020603050405020304" pitchFamily="18" charset="0"/>
+              <a:cs typeface="Times New Roman" panose="02020603050405020304" pitchFamily="18" charset="0"/>
+            </a:endParaRPr>
           </a:p>
         </p:txBody>
       </p:sp>
@@ -14657,54 +14711,79 @@
           <a:lstStyle/>
           <a:p>
             <a:r>
-              <a:rPr lang="en-US" dirty="0"/>
-              <a:t>Giao </a:t>
-            </a:r>
-            <a:r>
-              <a:rPr lang="en-US" dirty="0" err="1"/>
-              <a:t>diện</a:t>
-            </a:r>
-            <a:r>
-              <a:rPr lang="en-US" dirty="0"/>
+              <a:rPr lang="en-US" dirty="0">
+                <a:latin typeface="Times New Roman" panose="02020603050405020304" pitchFamily="18" charset="0"/>
+                <a:cs typeface="Times New Roman" panose="02020603050405020304" pitchFamily="18" charset="0"/>
+              </a:rPr>
+              <a:t>Giao DIỆN </a:t>
+            </a:r>
+            <a:r>
+              <a:rPr lang="en-US" dirty="0" err="1">
+                <a:latin typeface="Times New Roman" panose="02020603050405020304" pitchFamily="18" charset="0"/>
+                <a:cs typeface="Times New Roman" panose="02020603050405020304" pitchFamily="18" charset="0"/>
+              </a:rPr>
+              <a:t>đăng</a:t>
+            </a:r>
+            <a:r>
+              <a:rPr lang="en-US" dirty="0">
+                <a:latin typeface="Times New Roman" panose="02020603050405020304" pitchFamily="18" charset="0"/>
+                <a:cs typeface="Times New Roman" panose="02020603050405020304" pitchFamily="18" charset="0"/>
+              </a:rPr>
               <a:t> </a:t>
             </a:r>
             <a:r>
-              <a:rPr lang="en-US" dirty="0" err="1"/>
-              <a:t>đăng</a:t>
-            </a:r>
-            <a:r>
-              <a:rPr lang="en-US" dirty="0"/>
+              <a:rPr lang="en-US" dirty="0" err="1">
+                <a:latin typeface="Times New Roman" panose="02020603050405020304" pitchFamily="18" charset="0"/>
+                <a:cs typeface="Times New Roman" panose="02020603050405020304" pitchFamily="18" charset="0"/>
+              </a:rPr>
+              <a:t>nhập</a:t>
+            </a:r>
+            <a:r>
+              <a:rPr lang="en-US" dirty="0">
+                <a:latin typeface="Times New Roman" panose="02020603050405020304" pitchFamily="18" charset="0"/>
+                <a:cs typeface="Times New Roman" panose="02020603050405020304" pitchFamily="18" charset="0"/>
+              </a:rPr>
               <a:t> </a:t>
             </a:r>
             <a:r>
-              <a:rPr lang="en-US" dirty="0" err="1"/>
-              <a:t>nhập</a:t>
-            </a:r>
-            <a:r>
-              <a:rPr lang="en-US" dirty="0"/>
+              <a:rPr lang="en-US" dirty="0" err="1">
+                <a:latin typeface="Times New Roman" panose="02020603050405020304" pitchFamily="18" charset="0"/>
+                <a:cs typeface="Times New Roman" panose="02020603050405020304" pitchFamily="18" charset="0"/>
+              </a:rPr>
+              <a:t>của</a:t>
+            </a:r>
+            <a:r>
+              <a:rPr lang="en-US" dirty="0">
+                <a:latin typeface="Times New Roman" panose="02020603050405020304" pitchFamily="18" charset="0"/>
+                <a:cs typeface="Times New Roman" panose="02020603050405020304" pitchFamily="18" charset="0"/>
+              </a:rPr>
               <a:t> </a:t>
             </a:r>
             <a:r>
-              <a:rPr lang="en-US" dirty="0" err="1"/>
-              <a:t>của</a:t>
-            </a:r>
-            <a:r>
-              <a:rPr lang="en-US" dirty="0"/>
+              <a:rPr lang="en-US" dirty="0" err="1">
+                <a:latin typeface="Times New Roman" panose="02020603050405020304" pitchFamily="18" charset="0"/>
+                <a:cs typeface="Times New Roman" panose="02020603050405020304" pitchFamily="18" charset="0"/>
+              </a:rPr>
+              <a:t>phần</a:t>
+            </a:r>
+            <a:r>
+              <a:rPr lang="en-US" dirty="0">
+                <a:latin typeface="Times New Roman" panose="02020603050405020304" pitchFamily="18" charset="0"/>
+                <a:cs typeface="Times New Roman" panose="02020603050405020304" pitchFamily="18" charset="0"/>
+              </a:rPr>
               <a:t> </a:t>
             </a:r>
             <a:r>
-              <a:rPr lang="en-US" dirty="0" err="1"/>
-              <a:t>phần</a:t>
-            </a:r>
-            <a:r>
-              <a:rPr lang="en-US" dirty="0"/>
-              <a:t> </a:t>
-            </a:r>
-            <a:r>
-              <a:rPr lang="en-US" dirty="0" err="1"/>
+              <a:rPr lang="en-US" dirty="0" err="1">
+                <a:latin typeface="Times New Roman" panose="02020603050405020304" pitchFamily="18" charset="0"/>
+                <a:cs typeface="Times New Roman" panose="02020603050405020304" pitchFamily="18" charset="0"/>
+              </a:rPr>
               <a:t>mềm</a:t>
             </a:r>
-            <a:endParaRPr lang="en-US" dirty="0"/>
+            <a:endParaRPr lang="en-US" dirty="0">
+              <a:latin typeface="Times New Roman" panose="02020603050405020304" pitchFamily="18" charset="0"/>
+              <a:cs typeface="Times New Roman" panose="02020603050405020304" pitchFamily="18" charset="0"/>
+            </a:endParaRPr>
           </a:p>
         </p:txBody>
       </p:sp>
@@ -17174,7 +17253,7 @@
         </p:nvSpPr>
         <p:spPr>
           <a:xfrm>
-            <a:off x="659301" y="1474969"/>
+            <a:off x="659301" y="1600611"/>
             <a:ext cx="2823919" cy="1868760"/>
           </a:xfrm>
         </p:spPr>
@@ -17185,30 +17264,51 @@
           <a:lstStyle/>
           <a:p>
             <a:r>
-              <a:rPr lang="en-US" sz="3600" dirty="0"/>
+              <a:rPr lang="en-US" sz="3600" dirty="0">
+                <a:latin typeface="Times New Roman" panose="02020603050405020304" pitchFamily="18" charset="0"/>
+                <a:cs typeface="Times New Roman" panose="02020603050405020304" pitchFamily="18" charset="0"/>
+              </a:rPr>
               <a:t>Giao </a:t>
             </a:r>
             <a:r>
-              <a:rPr lang="en-US" sz="3600" dirty="0" err="1"/>
+              <a:rPr lang="en-US" sz="3600" dirty="0" err="1">
+                <a:latin typeface="Times New Roman" panose="02020603050405020304" pitchFamily="18" charset="0"/>
+                <a:cs typeface="Times New Roman" panose="02020603050405020304" pitchFamily="18" charset="0"/>
+              </a:rPr>
               <a:t>diện</a:t>
             </a:r>
             <a:r>
-              <a:rPr lang="en-US" sz="3600" dirty="0"/>
+              <a:rPr lang="en-US" sz="3600" dirty="0">
+                <a:latin typeface="Times New Roman" panose="02020603050405020304" pitchFamily="18" charset="0"/>
+                <a:cs typeface="Times New Roman" panose="02020603050405020304" pitchFamily="18" charset="0"/>
+              </a:rPr>
               <a:t> </a:t>
             </a:r>
             <a:r>
-              <a:rPr lang="en-US" sz="3600" dirty="0" err="1"/>
+              <a:rPr lang="en-US" sz="3600" dirty="0" err="1">
+                <a:latin typeface="Times New Roman" panose="02020603050405020304" pitchFamily="18" charset="0"/>
+                <a:cs typeface="Times New Roman" panose="02020603050405020304" pitchFamily="18" charset="0"/>
+              </a:rPr>
               <a:t>nhân</a:t>
             </a:r>
             <a:r>
-              <a:rPr lang="en-US" sz="3600" dirty="0"/>
+              <a:rPr lang="en-US" sz="3600" dirty="0">
+                <a:latin typeface="Times New Roman" panose="02020603050405020304" pitchFamily="18" charset="0"/>
+                <a:cs typeface="Times New Roman" panose="02020603050405020304" pitchFamily="18" charset="0"/>
+              </a:rPr>
               <a:t> </a:t>
             </a:r>
             <a:r>
-              <a:rPr lang="en-US" sz="3600" dirty="0" err="1"/>
+              <a:rPr lang="en-US" sz="3600" dirty="0" err="1">
+                <a:latin typeface="Times New Roman" panose="02020603050405020304" pitchFamily="18" charset="0"/>
+                <a:cs typeface="Times New Roman" panose="02020603050405020304" pitchFamily="18" charset="0"/>
+              </a:rPr>
               <a:t>viên</a:t>
             </a:r>
-            <a:endParaRPr lang="en-US" sz="3600" dirty="0"/>
+            <a:endParaRPr lang="en-US" sz="3600" dirty="0">
+              <a:latin typeface="Times New Roman" panose="02020603050405020304" pitchFamily="18" charset="0"/>
+              <a:cs typeface="Times New Roman" panose="02020603050405020304" pitchFamily="18" charset="0"/>
+            </a:endParaRPr>
           </a:p>
         </p:txBody>
       </p:sp>
